--- a/01.basic/day2/day02.pptx
+++ b/01.basic/day2/day02.pptx
@@ -22671,8 +22671,8 @@
         </p:nvSpPr>
         <p:spPr>
           <a:xfrm>
-            <a:off x="751340" y="1606558"/>
-            <a:ext cx="2470548" cy="507062"/>
+            <a:off x="751340" y="935541"/>
+            <a:ext cx="5082532" cy="925766"/>
           </a:xfrm>
           <a:prstGeom prst="rect">
             <a:avLst/>
@@ -22680,7 +22680,7 @@
           <a:noFill/>
         </p:spPr>
         <p:txBody>
-          <a:bodyPr wrap="none" rtlCol="0">
+          <a:bodyPr wrap="square" rtlCol="0">
             <a:spAutoFit/>
           </a:bodyPr>
           <a:lstStyle/>
@@ -22702,6 +22702,13 @@
               <a:rPr lang="en" altLang="zh-CN" sz="2000" dirty="0"/>
               <a:t>/bin/env node</a:t>
             </a:r>
+          </a:p>
+          <a:p>
+            <a:pPr>
+              <a:lnSpc>
+                <a:spcPct val="150000"/>
+              </a:lnSpc>
+            </a:pPr>
             <a:r>
               <a:rPr lang="en" altLang="zh-CN" dirty="0"/>
               <a:t> </a:t>
@@ -23088,7 +23095,7 @@
         </p:nvSpPr>
         <p:spPr>
           <a:xfrm>
-            <a:off x="751340" y="147568"/>
+            <a:off x="751340" y="263052"/>
             <a:ext cx="3926205" cy="770255"/>
           </a:xfrm>
           <a:prstGeom prst="rect">
@@ -23661,7 +23668,46 @@
                 <a:latin typeface="微软雅黑" panose="020B0503020204020204" pitchFamily="34" charset="-122"/>
                 <a:ea typeface="微软雅黑" panose="020B0503020204020204" pitchFamily="34" charset="-122"/>
               </a:rPr>
-              <a:t>宣言方法２種類がある：</a:t>
+              <a:t>宣言方法</a:t>
+            </a:r>
+            <a:r>
+              <a:rPr kumimoji="1" lang="en-US" altLang="zh-CN" sz="2000" dirty="0">
+                <a:solidFill>
+                  <a:schemeClr val="tx1">
+                    <a:lumMod val="65000"/>
+                    <a:lumOff val="35000"/>
+                  </a:schemeClr>
+                </a:solidFill>
+                <a:latin typeface="微软雅黑" panose="020B0503020204020204" pitchFamily="34" charset="-122"/>
+                <a:ea typeface="微软雅黑" panose="020B0503020204020204" pitchFamily="34" charset="-122"/>
+              </a:rPr>
+              <a:t>3</a:t>
+            </a:r>
+            <a:r>
+              <a:rPr kumimoji="1" lang="zh-CN" altLang="en-US" sz="2000">
+                <a:solidFill>
+                  <a:schemeClr val="tx1">
+                    <a:lumMod val="65000"/>
+                    <a:lumOff val="35000"/>
+                  </a:schemeClr>
+                </a:solidFill>
+                <a:latin typeface="微软雅黑" panose="020B0503020204020204" pitchFamily="34" charset="-122"/>
+                <a:ea typeface="微软雅黑" panose="020B0503020204020204" pitchFamily="34" charset="-122"/>
+              </a:rPr>
+              <a:t>種類</a:t>
+            </a:r>
+            <a:r>
+              <a:rPr kumimoji="1" lang="zh-CN" altLang="en-US" sz="2000" dirty="0">
+                <a:solidFill>
+                  <a:schemeClr val="tx1">
+                    <a:lumMod val="65000"/>
+                    <a:lumOff val="35000"/>
+                  </a:schemeClr>
+                </a:solidFill>
+                <a:latin typeface="微软雅黑" panose="020B0503020204020204" pitchFamily="34" charset="-122"/>
+                <a:ea typeface="微软雅黑" panose="020B0503020204020204" pitchFamily="34" charset="-122"/>
+              </a:rPr>
+              <a:t>がある：</a:t>
             </a:r>
             <a:endParaRPr kumimoji="1" lang="en-US" altLang="zh-CN" sz="2000" dirty="0">
               <a:solidFill>

--- a/01.basic/day2/day02.pptx
+++ b/01.basic/day2/day02.pptx
@@ -221,7 +221,7 @@
           <a:p>
             <a:fld id="{1704634C-D031-8744-8DBA-B4EBE976299F}" type="datetimeFigureOut">
               <a:rPr kumimoji="1" lang="zh-CN" altLang="en-US" smtClean="0"/>
-              <a:t>2021/4/14</a:t>
+              <a:t>2021/4/25</a:t>
             </a:fld>
             <a:endParaRPr kumimoji="1" lang="zh-CN" altLang="en-US"/>
           </a:p>
@@ -2618,7 +2618,7 @@
           <a:p>
             <a:fld id="{64E65BB6-1D9C-254C-AD75-784507605180}" type="datetimeFigureOut">
               <a:rPr kumimoji="1" lang="zh-CN" altLang="en-US" smtClean="0"/>
-              <a:t>2021/4/14</a:t>
+              <a:t>2021/4/25</a:t>
             </a:fld>
             <a:endParaRPr kumimoji="1" lang="zh-CN" altLang="en-US"/>
           </a:p>
@@ -2781,7 +2781,7 @@
           <a:p>
             <a:fld id="{64E65BB6-1D9C-254C-AD75-784507605180}" type="datetimeFigureOut">
               <a:rPr kumimoji="1" lang="zh-CN" altLang="en-US" smtClean="0"/>
-              <a:t>2021/4/14</a:t>
+              <a:t>2021/4/25</a:t>
             </a:fld>
             <a:endParaRPr kumimoji="1" lang="zh-CN" altLang="en-US"/>
           </a:p>
@@ -2954,7 +2954,7 @@
           <a:p>
             <a:fld id="{64E65BB6-1D9C-254C-AD75-784507605180}" type="datetimeFigureOut">
               <a:rPr kumimoji="1" lang="zh-CN" altLang="en-US" smtClean="0"/>
-              <a:t>2021/4/14</a:t>
+              <a:t>2021/4/25</a:t>
             </a:fld>
             <a:endParaRPr kumimoji="1" lang="zh-CN" altLang="en-US"/>
           </a:p>
@@ -3157,7 +3157,7 @@
           <a:p>
             <a:fld id="{9E880B4C-D537-244F-907F-0CBE4CE45AE7}" type="datetimeFigureOut">
               <a:rPr kumimoji="1" lang="zh-CN" altLang="en-US" smtClean="0"/>
-              <a:t>2021/4/14</a:t>
+              <a:t>2021/4/25</a:t>
             </a:fld>
             <a:endParaRPr kumimoji="1" lang="zh-CN" altLang="en-US"/>
           </a:p>
@@ -3355,7 +3355,7 @@
           <a:p>
             <a:fld id="{9E880B4C-D537-244F-907F-0CBE4CE45AE7}" type="datetimeFigureOut">
               <a:rPr kumimoji="1" lang="zh-CN" altLang="en-US" smtClean="0"/>
-              <a:t>2021/4/14</a:t>
+              <a:t>2021/4/25</a:t>
             </a:fld>
             <a:endParaRPr kumimoji="1" lang="zh-CN" altLang="en-US"/>
           </a:p>
@@ -3630,7 +3630,7 @@
           <a:p>
             <a:fld id="{9E880B4C-D537-244F-907F-0CBE4CE45AE7}" type="datetimeFigureOut">
               <a:rPr kumimoji="1" lang="zh-CN" altLang="en-US" smtClean="0"/>
-              <a:t>2021/4/14</a:t>
+              <a:t>2021/4/25</a:t>
             </a:fld>
             <a:endParaRPr kumimoji="1" lang="zh-CN" altLang="en-US"/>
           </a:p>
@@ -3895,7 +3895,7 @@
           <a:p>
             <a:fld id="{9E880B4C-D537-244F-907F-0CBE4CE45AE7}" type="datetimeFigureOut">
               <a:rPr kumimoji="1" lang="zh-CN" altLang="en-US" smtClean="0"/>
-              <a:t>2021/4/14</a:t>
+              <a:t>2021/4/25</a:t>
             </a:fld>
             <a:endParaRPr kumimoji="1" lang="zh-CN" altLang="en-US"/>
           </a:p>
@@ -4307,7 +4307,7 @@
           <a:p>
             <a:fld id="{9E880B4C-D537-244F-907F-0CBE4CE45AE7}" type="datetimeFigureOut">
               <a:rPr kumimoji="1" lang="zh-CN" altLang="en-US" smtClean="0"/>
-              <a:t>2021/4/14</a:t>
+              <a:t>2021/4/25</a:t>
             </a:fld>
             <a:endParaRPr kumimoji="1" lang="zh-CN" altLang="en-US"/>
           </a:p>
@@ -4448,7 +4448,7 @@
           <a:p>
             <a:fld id="{9E880B4C-D537-244F-907F-0CBE4CE45AE7}" type="datetimeFigureOut">
               <a:rPr kumimoji="1" lang="zh-CN" altLang="en-US" smtClean="0"/>
-              <a:t>2021/4/14</a:t>
+              <a:t>2021/4/25</a:t>
             </a:fld>
             <a:endParaRPr kumimoji="1" lang="zh-CN" altLang="en-US"/>
           </a:p>
@@ -4561,7 +4561,7 @@
           <a:p>
             <a:fld id="{9E880B4C-D537-244F-907F-0CBE4CE45AE7}" type="datetimeFigureOut">
               <a:rPr kumimoji="1" lang="zh-CN" altLang="en-US" smtClean="0"/>
-              <a:t>2021/4/14</a:t>
+              <a:t>2021/4/25</a:t>
             </a:fld>
             <a:endParaRPr kumimoji="1" lang="zh-CN" altLang="en-US"/>
           </a:p>
@@ -4872,7 +4872,7 @@
           <a:p>
             <a:fld id="{9E880B4C-D537-244F-907F-0CBE4CE45AE7}" type="datetimeFigureOut">
               <a:rPr kumimoji="1" lang="zh-CN" altLang="en-US" smtClean="0"/>
-              <a:t>2021/4/14</a:t>
+              <a:t>2021/4/25</a:t>
             </a:fld>
             <a:endParaRPr kumimoji="1" lang="zh-CN" altLang="en-US"/>
           </a:p>
@@ -5052,7 +5052,7 @@
           <a:p>
             <a:fld id="{64E65BB6-1D9C-254C-AD75-784507605180}" type="datetimeFigureOut">
               <a:rPr kumimoji="1" lang="zh-CN" altLang="en-US" smtClean="0"/>
-              <a:t>2021/4/14</a:t>
+              <a:t>2021/4/25</a:t>
             </a:fld>
             <a:endParaRPr kumimoji="1" lang="zh-CN" altLang="en-US"/>
           </a:p>
@@ -5323,7 +5323,7 @@
           <a:p>
             <a:fld id="{9E880B4C-D537-244F-907F-0CBE4CE45AE7}" type="datetimeFigureOut">
               <a:rPr kumimoji="1" lang="zh-CN" altLang="en-US" smtClean="0"/>
-              <a:t>2021/4/14</a:t>
+              <a:t>2021/4/25</a:t>
             </a:fld>
             <a:endParaRPr kumimoji="1" lang="zh-CN" altLang="en-US"/>
           </a:p>
@@ -5521,7 +5521,7 @@
           <a:p>
             <a:fld id="{9E880B4C-D537-244F-907F-0CBE4CE45AE7}" type="datetimeFigureOut">
               <a:rPr kumimoji="1" lang="zh-CN" altLang="en-US" smtClean="0"/>
-              <a:t>2021/4/14</a:t>
+              <a:t>2021/4/25</a:t>
             </a:fld>
             <a:endParaRPr kumimoji="1" lang="zh-CN" altLang="en-US"/>
           </a:p>
@@ -5729,7 +5729,7 @@
           <a:p>
             <a:fld id="{9E880B4C-D537-244F-907F-0CBE4CE45AE7}" type="datetimeFigureOut">
               <a:rPr kumimoji="1" lang="zh-CN" altLang="en-US" smtClean="0"/>
-              <a:t>2021/4/14</a:t>
+              <a:t>2021/4/25</a:t>
             </a:fld>
             <a:endParaRPr kumimoji="1" lang="zh-CN" altLang="en-US"/>
           </a:p>
@@ -5986,7 +5986,7 @@
           <a:p>
             <a:fld id="{64E65BB6-1D9C-254C-AD75-784507605180}" type="datetimeFigureOut">
               <a:rPr kumimoji="1" lang="zh-CN" altLang="en-US" smtClean="0"/>
-              <a:t>2021/4/14</a:t>
+              <a:t>2021/4/25</a:t>
             </a:fld>
             <a:endParaRPr kumimoji="1" lang="zh-CN" altLang="en-US"/>
           </a:p>
@@ -6210,7 +6210,7 @@
           <a:p>
             <a:fld id="{64E65BB6-1D9C-254C-AD75-784507605180}" type="datetimeFigureOut">
               <a:rPr kumimoji="1" lang="zh-CN" altLang="en-US" smtClean="0"/>
-              <a:t>2021/4/14</a:t>
+              <a:t>2021/4/25</a:t>
             </a:fld>
             <a:endParaRPr kumimoji="1" lang="zh-CN" altLang="en-US"/>
           </a:p>
@@ -6569,7 +6569,7 @@
           <a:p>
             <a:fld id="{64E65BB6-1D9C-254C-AD75-784507605180}" type="datetimeFigureOut">
               <a:rPr kumimoji="1" lang="zh-CN" altLang="en-US" smtClean="0"/>
-              <a:t>2021/4/14</a:t>
+              <a:t>2021/4/25</a:t>
             </a:fld>
             <a:endParaRPr kumimoji="1" lang="zh-CN" altLang="en-US"/>
           </a:p>
@@ -6681,7 +6681,7 @@
           <a:p>
             <a:fld id="{64E65BB6-1D9C-254C-AD75-784507605180}" type="datetimeFigureOut">
               <a:rPr kumimoji="1" lang="zh-CN" altLang="en-US" smtClean="0"/>
-              <a:t>2021/4/14</a:t>
+              <a:t>2021/4/25</a:t>
             </a:fld>
             <a:endParaRPr kumimoji="1" lang="zh-CN" altLang="en-US"/>
           </a:p>
@@ -6771,7 +6771,7 @@
           <a:p>
             <a:fld id="{64E65BB6-1D9C-254C-AD75-784507605180}" type="datetimeFigureOut">
               <a:rPr kumimoji="1" lang="zh-CN" altLang="en-US" smtClean="0"/>
-              <a:t>2021/4/14</a:t>
+              <a:t>2021/4/25</a:t>
             </a:fld>
             <a:endParaRPr kumimoji="1" lang="zh-CN" altLang="en-US"/>
           </a:p>
@@ -7041,7 +7041,7 @@
           <a:p>
             <a:fld id="{64E65BB6-1D9C-254C-AD75-784507605180}" type="datetimeFigureOut">
               <a:rPr kumimoji="1" lang="zh-CN" altLang="en-US" smtClean="0"/>
-              <a:t>2021/4/14</a:t>
+              <a:t>2021/4/25</a:t>
             </a:fld>
             <a:endParaRPr kumimoji="1" lang="zh-CN" altLang="en-US"/>
           </a:p>
@@ -7288,7 +7288,7 @@
           <a:p>
             <a:fld id="{64E65BB6-1D9C-254C-AD75-784507605180}" type="datetimeFigureOut">
               <a:rPr kumimoji="1" lang="zh-CN" altLang="en-US" smtClean="0"/>
-              <a:t>2021/4/14</a:t>
+              <a:t>2021/4/25</a:t>
             </a:fld>
             <a:endParaRPr kumimoji="1" lang="zh-CN" altLang="en-US"/>
           </a:p>
@@ -7494,7 +7494,7 @@
           <a:p>
             <a:fld id="{64E65BB6-1D9C-254C-AD75-784507605180}" type="datetimeFigureOut">
               <a:rPr kumimoji="1" lang="zh-CN" altLang="en-US" smtClean="0"/>
-              <a:t>2021/4/14</a:t>
+              <a:t>2021/4/25</a:t>
             </a:fld>
             <a:endParaRPr kumimoji="1" lang="zh-CN" altLang="en-US"/>
           </a:p>
@@ -8045,7 +8045,7 @@
           <a:p>
             <a:fld id="{9E880B4C-D537-244F-907F-0CBE4CE45AE7}" type="datetimeFigureOut">
               <a:rPr kumimoji="1" lang="zh-CN" altLang="en-US" smtClean="0"/>
-              <a:t>2021/4/14</a:t>
+              <a:t>2021/4/25</a:t>
             </a:fld>
             <a:endParaRPr kumimoji="1" lang="zh-CN" altLang="en-US"/>
           </a:p>

--- a/01.basic/day2/day02.pptx
+++ b/01.basic/day2/day02.pptx
@@ -30,8 +30,8 @@
     <p:sldId id="290" r:id="rId21"/>
     <p:sldId id="286" r:id="rId22"/>
     <p:sldId id="293" r:id="rId23"/>
-    <p:sldId id="294" r:id="rId24"/>
-    <p:sldId id="295" r:id="rId25"/>
+    <p:sldId id="295" r:id="rId24"/>
+    <p:sldId id="294" r:id="rId25"/>
     <p:sldId id="296" r:id="rId26"/>
   </p:sldIdLst>
   <p:sldSz cx="12192000" cy="6858000"/>
@@ -221,7 +221,7 @@
           <a:p>
             <a:fld id="{1704634C-D031-8744-8DBA-B4EBE976299F}" type="datetimeFigureOut">
               <a:rPr kumimoji="1" lang="zh-CN" altLang="en-US" smtClean="0"/>
-              <a:t>2021/4/25</a:t>
+              <a:t>2021/4/28</a:t>
             </a:fld>
             <a:endParaRPr kumimoji="1" lang="zh-CN" altLang="en-US"/>
           </a:p>
@@ -1723,7 +1723,7 @@
     </p:spTree>
     <p:extLst>
       <p:ext uri="{BB962C8B-B14F-4D97-AF65-F5344CB8AC3E}">
-        <p14:creationId xmlns:p14="http://schemas.microsoft.com/office/powerpoint/2010/main" val="3303758962"/>
+        <p14:creationId xmlns:p14="http://schemas.microsoft.com/office/powerpoint/2010/main" val="2363794257"/>
       </p:ext>
     </p:extLst>
   </p:cSld>
@@ -1807,7 +1807,7 @@
     </p:spTree>
     <p:extLst>
       <p:ext uri="{BB962C8B-B14F-4D97-AF65-F5344CB8AC3E}">
-        <p14:creationId xmlns:p14="http://schemas.microsoft.com/office/powerpoint/2010/main" val="2363794257"/>
+        <p14:creationId xmlns:p14="http://schemas.microsoft.com/office/powerpoint/2010/main" val="3303758962"/>
       </p:ext>
     </p:extLst>
   </p:cSld>
@@ -2618,7 +2618,7 @@
           <a:p>
             <a:fld id="{64E65BB6-1D9C-254C-AD75-784507605180}" type="datetimeFigureOut">
               <a:rPr kumimoji="1" lang="zh-CN" altLang="en-US" smtClean="0"/>
-              <a:t>2021/4/25</a:t>
+              <a:t>2021/4/28</a:t>
             </a:fld>
             <a:endParaRPr kumimoji="1" lang="zh-CN" altLang="en-US"/>
           </a:p>
@@ -2781,7 +2781,7 @@
           <a:p>
             <a:fld id="{64E65BB6-1D9C-254C-AD75-784507605180}" type="datetimeFigureOut">
               <a:rPr kumimoji="1" lang="zh-CN" altLang="en-US" smtClean="0"/>
-              <a:t>2021/4/25</a:t>
+              <a:t>2021/4/28</a:t>
             </a:fld>
             <a:endParaRPr kumimoji="1" lang="zh-CN" altLang="en-US"/>
           </a:p>
@@ -2954,7 +2954,7 @@
           <a:p>
             <a:fld id="{64E65BB6-1D9C-254C-AD75-784507605180}" type="datetimeFigureOut">
               <a:rPr kumimoji="1" lang="zh-CN" altLang="en-US" smtClean="0"/>
-              <a:t>2021/4/25</a:t>
+              <a:t>2021/4/28</a:t>
             </a:fld>
             <a:endParaRPr kumimoji="1" lang="zh-CN" altLang="en-US"/>
           </a:p>
@@ -3157,7 +3157,7 @@
           <a:p>
             <a:fld id="{9E880B4C-D537-244F-907F-0CBE4CE45AE7}" type="datetimeFigureOut">
               <a:rPr kumimoji="1" lang="zh-CN" altLang="en-US" smtClean="0"/>
-              <a:t>2021/4/25</a:t>
+              <a:t>2021/4/28</a:t>
             </a:fld>
             <a:endParaRPr kumimoji="1" lang="zh-CN" altLang="en-US"/>
           </a:p>
@@ -3355,7 +3355,7 @@
           <a:p>
             <a:fld id="{9E880B4C-D537-244F-907F-0CBE4CE45AE7}" type="datetimeFigureOut">
               <a:rPr kumimoji="1" lang="zh-CN" altLang="en-US" smtClean="0"/>
-              <a:t>2021/4/25</a:t>
+              <a:t>2021/4/28</a:t>
             </a:fld>
             <a:endParaRPr kumimoji="1" lang="zh-CN" altLang="en-US"/>
           </a:p>
@@ -3630,7 +3630,7 @@
           <a:p>
             <a:fld id="{9E880B4C-D537-244F-907F-0CBE4CE45AE7}" type="datetimeFigureOut">
               <a:rPr kumimoji="1" lang="zh-CN" altLang="en-US" smtClean="0"/>
-              <a:t>2021/4/25</a:t>
+              <a:t>2021/4/28</a:t>
             </a:fld>
             <a:endParaRPr kumimoji="1" lang="zh-CN" altLang="en-US"/>
           </a:p>
@@ -3895,7 +3895,7 @@
           <a:p>
             <a:fld id="{9E880B4C-D537-244F-907F-0CBE4CE45AE7}" type="datetimeFigureOut">
               <a:rPr kumimoji="1" lang="zh-CN" altLang="en-US" smtClean="0"/>
-              <a:t>2021/4/25</a:t>
+              <a:t>2021/4/28</a:t>
             </a:fld>
             <a:endParaRPr kumimoji="1" lang="zh-CN" altLang="en-US"/>
           </a:p>
@@ -4307,7 +4307,7 @@
           <a:p>
             <a:fld id="{9E880B4C-D537-244F-907F-0CBE4CE45AE7}" type="datetimeFigureOut">
               <a:rPr kumimoji="1" lang="zh-CN" altLang="en-US" smtClean="0"/>
-              <a:t>2021/4/25</a:t>
+              <a:t>2021/4/28</a:t>
             </a:fld>
             <a:endParaRPr kumimoji="1" lang="zh-CN" altLang="en-US"/>
           </a:p>
@@ -4448,7 +4448,7 @@
           <a:p>
             <a:fld id="{9E880B4C-D537-244F-907F-0CBE4CE45AE7}" type="datetimeFigureOut">
               <a:rPr kumimoji="1" lang="zh-CN" altLang="en-US" smtClean="0"/>
-              <a:t>2021/4/25</a:t>
+              <a:t>2021/4/28</a:t>
             </a:fld>
             <a:endParaRPr kumimoji="1" lang="zh-CN" altLang="en-US"/>
           </a:p>
@@ -4561,7 +4561,7 @@
           <a:p>
             <a:fld id="{9E880B4C-D537-244F-907F-0CBE4CE45AE7}" type="datetimeFigureOut">
               <a:rPr kumimoji="1" lang="zh-CN" altLang="en-US" smtClean="0"/>
-              <a:t>2021/4/25</a:t>
+              <a:t>2021/4/28</a:t>
             </a:fld>
             <a:endParaRPr kumimoji="1" lang="zh-CN" altLang="en-US"/>
           </a:p>
@@ -4872,7 +4872,7 @@
           <a:p>
             <a:fld id="{9E880B4C-D537-244F-907F-0CBE4CE45AE7}" type="datetimeFigureOut">
               <a:rPr kumimoji="1" lang="zh-CN" altLang="en-US" smtClean="0"/>
-              <a:t>2021/4/25</a:t>
+              <a:t>2021/4/28</a:t>
             </a:fld>
             <a:endParaRPr kumimoji="1" lang="zh-CN" altLang="en-US"/>
           </a:p>
@@ -5052,7 +5052,7 @@
           <a:p>
             <a:fld id="{64E65BB6-1D9C-254C-AD75-784507605180}" type="datetimeFigureOut">
               <a:rPr kumimoji="1" lang="zh-CN" altLang="en-US" smtClean="0"/>
-              <a:t>2021/4/25</a:t>
+              <a:t>2021/4/28</a:t>
             </a:fld>
             <a:endParaRPr kumimoji="1" lang="zh-CN" altLang="en-US"/>
           </a:p>
@@ -5323,7 +5323,7 @@
           <a:p>
             <a:fld id="{9E880B4C-D537-244F-907F-0CBE4CE45AE7}" type="datetimeFigureOut">
               <a:rPr kumimoji="1" lang="zh-CN" altLang="en-US" smtClean="0"/>
-              <a:t>2021/4/25</a:t>
+              <a:t>2021/4/28</a:t>
             </a:fld>
             <a:endParaRPr kumimoji="1" lang="zh-CN" altLang="en-US"/>
           </a:p>
@@ -5521,7 +5521,7 @@
           <a:p>
             <a:fld id="{9E880B4C-D537-244F-907F-0CBE4CE45AE7}" type="datetimeFigureOut">
               <a:rPr kumimoji="1" lang="zh-CN" altLang="en-US" smtClean="0"/>
-              <a:t>2021/4/25</a:t>
+              <a:t>2021/4/28</a:t>
             </a:fld>
             <a:endParaRPr kumimoji="1" lang="zh-CN" altLang="en-US"/>
           </a:p>
@@ -5729,7 +5729,7 @@
           <a:p>
             <a:fld id="{9E880B4C-D537-244F-907F-0CBE4CE45AE7}" type="datetimeFigureOut">
               <a:rPr kumimoji="1" lang="zh-CN" altLang="en-US" smtClean="0"/>
-              <a:t>2021/4/25</a:t>
+              <a:t>2021/4/28</a:t>
             </a:fld>
             <a:endParaRPr kumimoji="1" lang="zh-CN" altLang="en-US"/>
           </a:p>
@@ -5986,7 +5986,7 @@
           <a:p>
             <a:fld id="{64E65BB6-1D9C-254C-AD75-784507605180}" type="datetimeFigureOut">
               <a:rPr kumimoji="1" lang="zh-CN" altLang="en-US" smtClean="0"/>
-              <a:t>2021/4/25</a:t>
+              <a:t>2021/4/28</a:t>
             </a:fld>
             <a:endParaRPr kumimoji="1" lang="zh-CN" altLang="en-US"/>
           </a:p>
@@ -6210,7 +6210,7 @@
           <a:p>
             <a:fld id="{64E65BB6-1D9C-254C-AD75-784507605180}" type="datetimeFigureOut">
               <a:rPr kumimoji="1" lang="zh-CN" altLang="en-US" smtClean="0"/>
-              <a:t>2021/4/25</a:t>
+              <a:t>2021/4/28</a:t>
             </a:fld>
             <a:endParaRPr kumimoji="1" lang="zh-CN" altLang="en-US"/>
           </a:p>
@@ -6569,7 +6569,7 @@
           <a:p>
             <a:fld id="{64E65BB6-1D9C-254C-AD75-784507605180}" type="datetimeFigureOut">
               <a:rPr kumimoji="1" lang="zh-CN" altLang="en-US" smtClean="0"/>
-              <a:t>2021/4/25</a:t>
+              <a:t>2021/4/28</a:t>
             </a:fld>
             <a:endParaRPr kumimoji="1" lang="zh-CN" altLang="en-US"/>
           </a:p>
@@ -6681,7 +6681,7 @@
           <a:p>
             <a:fld id="{64E65BB6-1D9C-254C-AD75-784507605180}" type="datetimeFigureOut">
               <a:rPr kumimoji="1" lang="zh-CN" altLang="en-US" smtClean="0"/>
-              <a:t>2021/4/25</a:t>
+              <a:t>2021/4/28</a:t>
             </a:fld>
             <a:endParaRPr kumimoji="1" lang="zh-CN" altLang="en-US"/>
           </a:p>
@@ -6771,7 +6771,7 @@
           <a:p>
             <a:fld id="{64E65BB6-1D9C-254C-AD75-784507605180}" type="datetimeFigureOut">
               <a:rPr kumimoji="1" lang="zh-CN" altLang="en-US" smtClean="0"/>
-              <a:t>2021/4/25</a:t>
+              <a:t>2021/4/28</a:t>
             </a:fld>
             <a:endParaRPr kumimoji="1" lang="zh-CN" altLang="en-US"/>
           </a:p>
@@ -7041,7 +7041,7 @@
           <a:p>
             <a:fld id="{64E65BB6-1D9C-254C-AD75-784507605180}" type="datetimeFigureOut">
               <a:rPr kumimoji="1" lang="zh-CN" altLang="en-US" smtClean="0"/>
-              <a:t>2021/4/25</a:t>
+              <a:t>2021/4/28</a:t>
             </a:fld>
             <a:endParaRPr kumimoji="1" lang="zh-CN" altLang="en-US"/>
           </a:p>
@@ -7288,7 +7288,7 @@
           <a:p>
             <a:fld id="{64E65BB6-1D9C-254C-AD75-784507605180}" type="datetimeFigureOut">
               <a:rPr kumimoji="1" lang="zh-CN" altLang="en-US" smtClean="0"/>
-              <a:t>2021/4/25</a:t>
+              <a:t>2021/4/28</a:t>
             </a:fld>
             <a:endParaRPr kumimoji="1" lang="zh-CN" altLang="en-US"/>
           </a:p>
@@ -7494,7 +7494,7 @@
           <a:p>
             <a:fld id="{64E65BB6-1D9C-254C-AD75-784507605180}" type="datetimeFigureOut">
               <a:rPr kumimoji="1" lang="zh-CN" altLang="en-US" smtClean="0"/>
-              <a:t>2021/4/25</a:t>
+              <a:t>2021/4/28</a:t>
             </a:fld>
             <a:endParaRPr kumimoji="1" lang="zh-CN" altLang="en-US"/>
           </a:p>
@@ -8045,7 +8045,7 @@
           <a:p>
             <a:fld id="{9E880B4C-D537-244F-907F-0CBE4CE45AE7}" type="datetimeFigureOut">
               <a:rPr kumimoji="1" lang="zh-CN" altLang="en-US" smtClean="0"/>
-              <a:t>2021/4/25</a:t>
+              <a:t>2021/4/28</a:t>
             </a:fld>
             <a:endParaRPr kumimoji="1" lang="zh-CN" altLang="en-US"/>
           </a:p>
@@ -19809,7 +19809,7 @@
                 <a:latin typeface="微软雅黑" panose="020B0503020204020204" pitchFamily="34" charset="-122"/>
                 <a:ea typeface="微软雅黑" panose="020B0503020204020204" pitchFamily="34" charset="-122"/>
               </a:rPr>
-              <a:t>優先順位</a:t>
+              <a:t>グループ化演算子</a:t>
             </a:r>
           </a:p>
         </p:txBody>
@@ -20158,42 +20158,12 @@
           </a:p>
         </p:txBody>
       </p:sp>
-      <p:pic>
-        <p:nvPicPr>
-          <p:cNvPr id="2" name="图片 1">
+      <p:sp>
+        <p:nvSpPr>
+          <p:cNvPr id="4" name="矩形 3">
             <a:extLst>
               <a:ext uri="{FF2B5EF4-FFF2-40B4-BE49-F238E27FC236}">
-                <a16:creationId xmlns:a16="http://schemas.microsoft.com/office/drawing/2014/main" id="{3B9C5BAE-B653-D947-B8E2-BD160C64A85F}"/>
-              </a:ext>
-            </a:extLst>
-          </p:cNvPr>
-          <p:cNvPicPr>
-            <a:picLocks noChangeAspect="1"/>
-          </p:cNvPicPr>
-          <p:nvPr/>
-        </p:nvPicPr>
-        <p:blipFill>
-          <a:blip r:embed="rId3"/>
-          <a:stretch>
-            <a:fillRect/>
-          </a:stretch>
-        </p:blipFill>
-        <p:spPr>
-          <a:xfrm>
-            <a:off x="667897" y="1039028"/>
-            <a:ext cx="6592712" cy="5419035"/>
-          </a:xfrm>
-          <a:prstGeom prst="rect">
-            <a:avLst/>
-          </a:prstGeom>
-        </p:spPr>
-      </p:pic>
-      <p:sp>
-        <p:nvSpPr>
-          <p:cNvPr id="3" name="矩形 2">
-            <a:extLst>
-              <a:ext uri="{FF2B5EF4-FFF2-40B4-BE49-F238E27FC236}">
-                <a16:creationId xmlns:a16="http://schemas.microsoft.com/office/drawing/2014/main" id="{35B937F3-9452-5C4A-81A5-A44FDF43FE44}"/>
+                <a16:creationId xmlns:a16="http://schemas.microsoft.com/office/drawing/2014/main" id="{00B732B7-BA0E-8E42-9764-49D53A8F181F}"/>
               </a:ext>
             </a:extLst>
           </p:cNvPr>
@@ -20202,8 +20172,8 @@
         </p:nvSpPr>
         <p:spPr>
           <a:xfrm>
-            <a:off x="3653865" y="315821"/>
-            <a:ext cx="7510818" cy="369332"/>
+            <a:off x="667897" y="1423033"/>
+            <a:ext cx="10371762" cy="1384995"/>
           </a:xfrm>
           <a:prstGeom prst="rect">
             <a:avLst/>
@@ -20216,16 +20186,74 @@
           <a:lstStyle/>
           <a:p>
             <a:r>
-              <a:rPr lang="zh-CN" altLang="en-US" dirty="0">
+              <a:rPr lang="ja-JP" altLang="en-US" sz="2800">
                 <a:solidFill>
                   <a:srgbClr val="212121"/>
                 </a:solidFill>
                 <a:latin typeface="arial" panose="020B0604020202020204" pitchFamily="34" charset="0"/>
               </a:rPr>
-              <a:t>次</a:t>
-            </a:r>
-            <a:r>
-              <a:rPr lang="ja-JP" altLang="en-US">
+              <a:t>グループ</a:t>
+            </a:r>
+            <a:r>
+              <a:rPr lang="zh-CN" altLang="en-US" sz="2800" dirty="0">
+                <a:solidFill>
+                  <a:srgbClr val="212121"/>
+                </a:solidFill>
+                <a:latin typeface="arial" panose="020B0604020202020204" pitchFamily="34" charset="0"/>
+              </a:rPr>
+              <a:t>化演算子 </a:t>
+            </a:r>
+            <a:r>
+              <a:rPr lang="en-US" altLang="zh-CN" sz="2800" dirty="0"/>
+              <a:t>( )</a:t>
+            </a:r>
+            <a:r>
+              <a:rPr lang="zh-CN" altLang="en-US" sz="2800" dirty="0">
+                <a:solidFill>
+                  <a:srgbClr val="212121"/>
+                </a:solidFill>
+                <a:latin typeface="arial" panose="020B0604020202020204" pitchFamily="34" charset="0"/>
+              </a:rPr>
+              <a:t> </a:t>
+            </a:r>
+            <a:r>
+              <a:rPr lang="ja-JP" altLang="en-US" sz="2800">
+                <a:solidFill>
+                  <a:srgbClr val="212121"/>
+                </a:solidFill>
+                <a:latin typeface="arial" panose="020B0604020202020204" pitchFamily="34" charset="0"/>
+              </a:rPr>
+              <a:t>は</a:t>
+            </a:r>
+            <a:r>
+              <a:rPr lang="zh-CN" altLang="en-US" sz="2800" dirty="0">
+                <a:solidFill>
+                  <a:srgbClr val="212121"/>
+                </a:solidFill>
+                <a:latin typeface="arial" panose="020B0604020202020204" pitchFamily="34" charset="0"/>
+              </a:rPr>
+              <a:t>式内</a:t>
+            </a:r>
+            <a:r>
+              <a:rPr lang="ja-JP" altLang="en-US" sz="2800">
+                <a:solidFill>
+                  <a:srgbClr val="212121"/>
+                </a:solidFill>
+                <a:latin typeface="arial" panose="020B0604020202020204" pitchFamily="34" charset="0"/>
+              </a:rPr>
+              <a:t>での</a:t>
+            </a:r>
+            <a:r>
+              <a:rPr lang="zh-CN" altLang="en-US" sz="2800" dirty="0">
+                <a:solidFill>
+                  <a:srgbClr val="212121"/>
+                </a:solidFill>
+                <a:latin typeface="arial" panose="020B0604020202020204" pitchFamily="34" charset="0"/>
+              </a:rPr>
+              <a:t>評価</a:t>
+            </a:r>
+            <a:r>
+              <a:rPr lang="ja-JP" altLang="en-US" sz="2800">
                 <a:solidFill>
                   <a:srgbClr val="212121"/>
                 </a:solidFill>
@@ -20234,43 +20262,7 @@
               <a:t>の</a:t>
             </a:r>
             <a:r>
-              <a:rPr lang="zh-CN" altLang="en-US" dirty="0">
-                <a:solidFill>
-                  <a:srgbClr val="212121"/>
-                </a:solidFill>
-                <a:latin typeface="arial" panose="020B0604020202020204" pitchFamily="34" charset="0"/>
-              </a:rPr>
-              <a:t>表</a:t>
-            </a:r>
-            <a:r>
-              <a:rPr lang="ja-JP" altLang="en-US">
-                <a:solidFill>
-                  <a:srgbClr val="212121"/>
-                </a:solidFill>
-                <a:latin typeface="arial" panose="020B0604020202020204" pitchFamily="34" charset="0"/>
-              </a:rPr>
-              <a:t>では</a:t>
-            </a:r>
-            <a:r>
-              <a:rPr lang="zh-CN" altLang="en-US" dirty="0">
-                <a:solidFill>
-                  <a:srgbClr val="212121"/>
-                </a:solidFill>
-                <a:latin typeface="arial" panose="020B0604020202020204" pitchFamily="34" charset="0"/>
-              </a:rPr>
-              <a:t>演算子</a:t>
-            </a:r>
-            <a:r>
-              <a:rPr lang="ja-JP" altLang="en-US">
-                <a:solidFill>
-                  <a:srgbClr val="212121"/>
-                </a:solidFill>
-                <a:latin typeface="arial" panose="020B0604020202020204" pitchFamily="34" charset="0"/>
-              </a:rPr>
-              <a:t>の</a:t>
-            </a:r>
-            <a:r>
-              <a:rPr lang="zh-CN" altLang="en-US" dirty="0">
+              <a:rPr lang="zh-CN" altLang="en-US" sz="2800" dirty="0">
                 <a:solidFill>
                   <a:srgbClr val="212121"/>
                 </a:solidFill>
@@ -20279,61 +20271,79 @@
               <a:t>優先順位</a:t>
             </a:r>
             <a:r>
-              <a:rPr lang="ja-JP" altLang="en-US">
+              <a:rPr lang="ja-JP" altLang="en-US" sz="2800">
                 <a:solidFill>
                   <a:srgbClr val="212121"/>
                 </a:solidFill>
                 <a:latin typeface="arial" panose="020B0604020202020204" pitchFamily="34" charset="0"/>
               </a:rPr>
-              <a:t>を、</a:t>
-            </a:r>
-            <a:r>
-              <a:rPr lang="zh-CN" altLang="en-US" dirty="0">
+              <a:t>を</a:t>
+            </a:r>
+            <a:r>
+              <a:rPr lang="zh-CN" altLang="en-US" sz="2800" dirty="0">
                 <a:solidFill>
                   <a:srgbClr val="212121"/>
                 </a:solidFill>
                 <a:latin typeface="arial" panose="020B0604020202020204" pitchFamily="34" charset="0"/>
               </a:rPr>
-              <a:t>高</a:t>
-            </a:r>
-            <a:r>
-              <a:rPr lang="ja-JP" altLang="en-US">
+              <a:t>制御</a:t>
+            </a:r>
+            <a:r>
+              <a:rPr lang="ja-JP" altLang="en-US" sz="2800">
                 <a:solidFill>
                   <a:srgbClr val="212121"/>
                 </a:solidFill>
                 <a:latin typeface="arial" panose="020B0604020202020204" pitchFamily="34" charset="0"/>
               </a:rPr>
-              <a:t>いものから</a:t>
-            </a:r>
-            <a:r>
-              <a:rPr lang="zh-CN" altLang="en-US" dirty="0">
+              <a:t>します。</a:t>
+            </a:r>
+            <a:r>
+              <a:rPr lang="zh-CN" altLang="en-US" sz="2800" dirty="0">
                 <a:solidFill>
                   <a:srgbClr val="212121"/>
                 </a:solidFill>
                 <a:latin typeface="arial" panose="020B0604020202020204" pitchFamily="34" charset="0"/>
               </a:rPr>
-              <a:t>低</a:t>
-            </a:r>
-            <a:r>
-              <a:rPr lang="ja-JP" altLang="en-US">
+              <a:t>例</a:t>
+            </a:r>
+            <a:r>
+              <a:rPr lang="ja-JP" altLang="en-US" sz="2800">
                 <a:solidFill>
                   <a:srgbClr val="212121"/>
                 </a:solidFill>
                 <a:latin typeface="arial" panose="020B0604020202020204" pitchFamily="34" charset="0"/>
               </a:rPr>
-              <a:t>い</a:t>
-            </a:r>
-            <a:r>
-              <a:rPr lang="zh-CN" altLang="en-US" dirty="0">
+              <a:t>えば、</a:t>
+            </a:r>
+            <a:r>
+              <a:rPr lang="zh-CN" altLang="en-US" sz="2800" dirty="0">
                 <a:solidFill>
                   <a:srgbClr val="212121"/>
                 </a:solidFill>
                 <a:latin typeface="arial" panose="020B0604020202020204" pitchFamily="34" charset="0"/>
               </a:rPr>
-              <a:t>順</a:t>
-            </a:r>
-            <a:r>
-              <a:rPr lang="ja-JP" altLang="en-US">
+              <a:t>加算</a:t>
+            </a:r>
+            <a:r>
+              <a:rPr lang="ja-JP" altLang="en-US" sz="2800">
+                <a:solidFill>
+                  <a:srgbClr val="212121"/>
+                </a:solidFill>
+                <a:latin typeface="arial" panose="020B0604020202020204" pitchFamily="34" charset="0"/>
+              </a:rPr>
+              <a:t>が</a:t>
+            </a:r>
+            <a:r>
+              <a:rPr lang="zh-CN" altLang="en-US" sz="2800" dirty="0">
+                <a:solidFill>
+                  <a:srgbClr val="212121"/>
+                </a:solidFill>
+                <a:latin typeface="arial" panose="020B0604020202020204" pitchFamily="34" charset="0"/>
+              </a:rPr>
+              <a:t>最初</a:t>
+            </a:r>
+            <a:r>
+              <a:rPr lang="ja-JP" altLang="en-US" sz="2800">
                 <a:solidFill>
                   <a:srgbClr val="212121"/>
                 </a:solidFill>
@@ -20342,31 +20352,175 @@
               <a:t>に</a:t>
             </a:r>
             <a:r>
-              <a:rPr lang="zh-CN" altLang="en-US" dirty="0">
+              <a:rPr lang="zh-CN" altLang="en-US" sz="2800" dirty="0">
                 <a:solidFill>
                   <a:srgbClr val="212121"/>
                 </a:solidFill>
                 <a:latin typeface="arial" panose="020B0604020202020204" pitchFamily="34" charset="0"/>
               </a:rPr>
-              <a:t>並</a:t>
-            </a:r>
-            <a:r>
-              <a:rPr lang="ja-JP" altLang="en-US">
+              <a:t>評価</a:t>
+            </a:r>
+            <a:r>
+              <a:rPr lang="ja-JP" altLang="en-US" sz="2800">
                 <a:solidFill>
                   <a:srgbClr val="212121"/>
                 </a:solidFill>
                 <a:latin typeface="arial" panose="020B0604020202020204" pitchFamily="34" charset="0"/>
               </a:rPr>
-              <a:t>べています。</a:t>
-            </a:r>
-            <a:endParaRPr lang="zh-CN" altLang="en-US" dirty="0"/>
+              <a:t>されるよう、</a:t>
+            </a:r>
+            <a:r>
+              <a:rPr lang="zh-CN" altLang="en-US" sz="2800" dirty="0">
+                <a:solidFill>
+                  <a:srgbClr val="212121"/>
+                </a:solidFill>
+                <a:latin typeface="arial" panose="020B0604020202020204" pitchFamily="34" charset="0"/>
+              </a:rPr>
+              <a:t>最初</a:t>
+            </a:r>
+            <a:r>
+              <a:rPr lang="ja-JP" altLang="en-US" sz="2800">
+                <a:solidFill>
+                  <a:srgbClr val="212121"/>
+                </a:solidFill>
+                <a:latin typeface="arial" panose="020B0604020202020204" pitchFamily="34" charset="0"/>
+              </a:rPr>
+              <a:t>に</a:t>
+            </a:r>
+            <a:r>
+              <a:rPr lang="zh-CN" altLang="en-US" sz="2800" dirty="0">
+                <a:solidFill>
+                  <a:srgbClr val="212121"/>
+                </a:solidFill>
+                <a:latin typeface="arial" panose="020B0604020202020204" pitchFamily="34" charset="0"/>
+              </a:rPr>
+              <a:t>行</a:t>
+            </a:r>
+            <a:r>
+              <a:rPr lang="ja-JP" altLang="en-US" sz="2800">
+                <a:solidFill>
+                  <a:srgbClr val="212121"/>
+                </a:solidFill>
+                <a:latin typeface="arial" panose="020B0604020202020204" pitchFamily="34" charset="0"/>
+              </a:rPr>
+              <a:t>われる</a:t>
+            </a:r>
+            <a:r>
+              <a:rPr lang="zh-CN" altLang="en-US" sz="2800" dirty="0">
+                <a:solidFill>
+                  <a:srgbClr val="212121"/>
+                </a:solidFill>
+                <a:latin typeface="arial" panose="020B0604020202020204" pitchFamily="34" charset="0"/>
+              </a:rPr>
+              <a:t>演算</a:t>
+            </a:r>
+            <a:r>
+              <a:rPr lang="ja-JP" altLang="en-US" sz="2800">
+                <a:solidFill>
+                  <a:srgbClr val="212121"/>
+                </a:solidFill>
+                <a:latin typeface="arial" panose="020B0604020202020204" pitchFamily="34" charset="0"/>
+              </a:rPr>
+              <a:t>を</a:t>
+            </a:r>
+            <a:r>
+              <a:rPr lang="zh-CN" altLang="en-US" sz="2800" dirty="0">
+                <a:solidFill>
+                  <a:srgbClr val="212121"/>
+                </a:solidFill>
+                <a:latin typeface="arial" panose="020B0604020202020204" pitchFamily="34" charset="0"/>
+              </a:rPr>
+              <a:t>乗算</a:t>
+            </a:r>
+            <a:r>
+              <a:rPr lang="ja-JP" altLang="en-US" sz="2800">
+                <a:solidFill>
+                  <a:srgbClr val="212121"/>
+                </a:solidFill>
+                <a:latin typeface="arial" panose="020B0604020202020204" pitchFamily="34" charset="0"/>
+              </a:rPr>
+              <a:t>と</a:t>
+            </a:r>
+            <a:r>
+              <a:rPr lang="zh-CN" altLang="en-US" sz="2800" dirty="0">
+                <a:solidFill>
+                  <a:srgbClr val="212121"/>
+                </a:solidFill>
+                <a:latin typeface="arial" panose="020B0604020202020204" pitchFamily="34" charset="0"/>
+              </a:rPr>
+              <a:t>除算</a:t>
+            </a:r>
+            <a:r>
+              <a:rPr lang="ja-JP" altLang="en-US" sz="2800">
+                <a:solidFill>
+                  <a:srgbClr val="212121"/>
+                </a:solidFill>
+                <a:latin typeface="arial" panose="020B0604020202020204" pitchFamily="34" charset="0"/>
+              </a:rPr>
+              <a:t>から</a:t>
+            </a:r>
+            <a:r>
+              <a:rPr lang="zh-CN" altLang="en-US" sz="2800" dirty="0">
+                <a:solidFill>
+                  <a:srgbClr val="212121"/>
+                </a:solidFill>
+                <a:latin typeface="arial" panose="020B0604020202020204" pitchFamily="34" charset="0"/>
+              </a:rPr>
+              <a:t>加算</a:t>
+            </a:r>
+            <a:r>
+              <a:rPr lang="ja-JP" altLang="en-US" sz="2800">
+                <a:solidFill>
+                  <a:srgbClr val="212121"/>
+                </a:solidFill>
+                <a:latin typeface="arial" panose="020B0604020202020204" pitchFamily="34" charset="0"/>
+              </a:rPr>
+              <a:t>と</a:t>
+            </a:r>
+            <a:r>
+              <a:rPr lang="zh-CN" altLang="en-US" sz="2800" dirty="0">
+                <a:solidFill>
+                  <a:srgbClr val="212121"/>
+                </a:solidFill>
+                <a:latin typeface="arial" panose="020B0604020202020204" pitchFamily="34" charset="0"/>
+              </a:rPr>
+              <a:t>減算</a:t>
+            </a:r>
+            <a:r>
+              <a:rPr lang="ja-JP" altLang="en-US" sz="2800">
+                <a:solidFill>
+                  <a:srgbClr val="212121"/>
+                </a:solidFill>
+                <a:latin typeface="arial" panose="020B0604020202020204" pitchFamily="34" charset="0"/>
+              </a:rPr>
+              <a:t>へと</a:t>
+            </a:r>
+            <a:r>
+              <a:rPr lang="zh-CN" altLang="en-US" sz="2800" dirty="0">
+                <a:solidFill>
+                  <a:srgbClr val="212121"/>
+                </a:solidFill>
+                <a:latin typeface="arial" panose="020B0604020202020204" pitchFamily="34" charset="0"/>
+              </a:rPr>
+              <a:t>上書</a:t>
+            </a:r>
+            <a:r>
+              <a:rPr lang="ja-JP" altLang="en-US" sz="2800">
+                <a:solidFill>
+                  <a:srgbClr val="212121"/>
+                </a:solidFill>
+                <a:latin typeface="arial" panose="020B0604020202020204" pitchFamily="34" charset="0"/>
+              </a:rPr>
+              <a:t>きすることができます。</a:t>
+            </a:r>
+            <a:endParaRPr lang="zh-CN" altLang="en-US" sz="2800" dirty="0"/>
           </a:p>
         </p:txBody>
       </p:sp>
     </p:spTree>
     <p:extLst>
       <p:ext uri="{BB962C8B-B14F-4D97-AF65-F5344CB8AC3E}">
-        <p14:creationId xmlns:p14="http://schemas.microsoft.com/office/powerpoint/2010/main" val="1864329133"/>
+        <p14:creationId xmlns:p14="http://schemas.microsoft.com/office/powerpoint/2010/main" val="3771411457"/>
       </p:ext>
     </p:extLst>
   </p:cSld>
@@ -20645,7 +20799,7 @@
                 <a:latin typeface="微软雅黑" panose="020B0503020204020204" pitchFamily="34" charset="-122"/>
                 <a:ea typeface="微软雅黑" panose="020B0503020204020204" pitchFamily="34" charset="-122"/>
               </a:rPr>
-              <a:t>グループ化演算子</a:t>
+              <a:t>優先順位</a:t>
             </a:r>
           </a:p>
         </p:txBody>
@@ -20994,12 +21148,42 @@
           </a:p>
         </p:txBody>
       </p:sp>
-      <p:sp>
-        <p:nvSpPr>
-          <p:cNvPr id="4" name="矩形 3">
+      <p:pic>
+        <p:nvPicPr>
+          <p:cNvPr id="2" name="图片 1">
             <a:extLst>
               <a:ext uri="{FF2B5EF4-FFF2-40B4-BE49-F238E27FC236}">
-                <a16:creationId xmlns:a16="http://schemas.microsoft.com/office/drawing/2014/main" id="{00B732B7-BA0E-8E42-9764-49D53A8F181F}"/>
+                <a16:creationId xmlns:a16="http://schemas.microsoft.com/office/drawing/2014/main" id="{3B9C5BAE-B653-D947-B8E2-BD160C64A85F}"/>
+              </a:ext>
+            </a:extLst>
+          </p:cNvPr>
+          <p:cNvPicPr>
+            <a:picLocks noChangeAspect="1"/>
+          </p:cNvPicPr>
+          <p:nvPr/>
+        </p:nvPicPr>
+        <p:blipFill>
+          <a:blip r:embed="rId3"/>
+          <a:stretch>
+            <a:fillRect/>
+          </a:stretch>
+        </p:blipFill>
+        <p:spPr>
+          <a:xfrm>
+            <a:off x="667897" y="1039028"/>
+            <a:ext cx="6592712" cy="5419035"/>
+          </a:xfrm>
+          <a:prstGeom prst="rect">
+            <a:avLst/>
+          </a:prstGeom>
+        </p:spPr>
+      </p:pic>
+      <p:sp>
+        <p:nvSpPr>
+          <p:cNvPr id="3" name="矩形 2">
+            <a:extLst>
+              <a:ext uri="{FF2B5EF4-FFF2-40B4-BE49-F238E27FC236}">
+                <a16:creationId xmlns:a16="http://schemas.microsoft.com/office/drawing/2014/main" id="{35B937F3-9452-5C4A-81A5-A44FDF43FE44}"/>
               </a:ext>
             </a:extLst>
           </p:cNvPr>
@@ -21008,8 +21192,8 @@
         </p:nvSpPr>
         <p:spPr>
           <a:xfrm>
-            <a:off x="667897" y="1423033"/>
-            <a:ext cx="10371762" cy="1384995"/>
+            <a:off x="3653865" y="315821"/>
+            <a:ext cx="7510818" cy="369332"/>
           </a:xfrm>
           <a:prstGeom prst="rect">
             <a:avLst/>
@@ -21022,74 +21206,16 @@
           <a:lstStyle/>
           <a:p>
             <a:r>
-              <a:rPr lang="ja-JP" altLang="en-US" sz="2800">
+              <a:rPr lang="zh-CN" altLang="en-US" dirty="0">
                 <a:solidFill>
                   <a:srgbClr val="212121"/>
                 </a:solidFill>
                 <a:latin typeface="arial" panose="020B0604020202020204" pitchFamily="34" charset="0"/>
               </a:rPr>
-              <a:t>グループ</a:t>
-            </a:r>
-            <a:r>
-              <a:rPr lang="zh-CN" altLang="en-US" sz="2800" dirty="0">
-                <a:solidFill>
-                  <a:srgbClr val="212121"/>
-                </a:solidFill>
-                <a:latin typeface="arial" panose="020B0604020202020204" pitchFamily="34" charset="0"/>
-              </a:rPr>
-              <a:t>化演算子 </a:t>
-            </a:r>
-            <a:r>
-              <a:rPr lang="en-US" altLang="zh-CN" sz="2800" dirty="0"/>
-              <a:t>( )</a:t>
-            </a:r>
-            <a:r>
-              <a:rPr lang="zh-CN" altLang="en-US" sz="2800" dirty="0">
-                <a:solidFill>
-                  <a:srgbClr val="212121"/>
-                </a:solidFill>
-                <a:latin typeface="arial" panose="020B0604020202020204" pitchFamily="34" charset="0"/>
-              </a:rPr>
-              <a:t> </a:t>
-            </a:r>
-            <a:r>
-              <a:rPr lang="ja-JP" altLang="en-US" sz="2800">
-                <a:solidFill>
-                  <a:srgbClr val="212121"/>
-                </a:solidFill>
-                <a:latin typeface="arial" panose="020B0604020202020204" pitchFamily="34" charset="0"/>
-              </a:rPr>
-              <a:t>は</a:t>
-            </a:r>
-            <a:r>
-              <a:rPr lang="zh-CN" altLang="en-US" sz="2800" dirty="0">
-                <a:solidFill>
-                  <a:srgbClr val="212121"/>
-                </a:solidFill>
-                <a:latin typeface="arial" panose="020B0604020202020204" pitchFamily="34" charset="0"/>
-              </a:rPr>
-              <a:t>式内</a:t>
-            </a:r>
-            <a:r>
-              <a:rPr lang="ja-JP" altLang="en-US" sz="2800">
-                <a:solidFill>
-                  <a:srgbClr val="212121"/>
-                </a:solidFill>
-                <a:latin typeface="arial" panose="020B0604020202020204" pitchFamily="34" charset="0"/>
-              </a:rPr>
-              <a:t>での</a:t>
-            </a:r>
-            <a:r>
-              <a:rPr lang="zh-CN" altLang="en-US" sz="2800" dirty="0">
-                <a:solidFill>
-                  <a:srgbClr val="212121"/>
-                </a:solidFill>
-                <a:latin typeface="arial" panose="020B0604020202020204" pitchFamily="34" charset="0"/>
-              </a:rPr>
-              <a:t>評価</a:t>
-            </a:r>
-            <a:r>
-              <a:rPr lang="ja-JP" altLang="en-US" sz="2800">
+              <a:t>次</a:t>
+            </a:r>
+            <a:r>
+              <a:rPr lang="ja-JP" altLang="en-US">
                 <a:solidFill>
                   <a:srgbClr val="212121"/>
                 </a:solidFill>
@@ -21098,7 +21224,43 @@
               <a:t>の</a:t>
             </a:r>
             <a:r>
-              <a:rPr lang="zh-CN" altLang="en-US" sz="2800" dirty="0">
+              <a:rPr lang="zh-CN" altLang="en-US" dirty="0">
+                <a:solidFill>
+                  <a:srgbClr val="212121"/>
+                </a:solidFill>
+                <a:latin typeface="arial" panose="020B0604020202020204" pitchFamily="34" charset="0"/>
+              </a:rPr>
+              <a:t>表</a:t>
+            </a:r>
+            <a:r>
+              <a:rPr lang="ja-JP" altLang="en-US">
+                <a:solidFill>
+                  <a:srgbClr val="212121"/>
+                </a:solidFill>
+                <a:latin typeface="arial" panose="020B0604020202020204" pitchFamily="34" charset="0"/>
+              </a:rPr>
+              <a:t>では</a:t>
+            </a:r>
+            <a:r>
+              <a:rPr lang="zh-CN" altLang="en-US" dirty="0">
+                <a:solidFill>
+                  <a:srgbClr val="212121"/>
+                </a:solidFill>
+                <a:latin typeface="arial" panose="020B0604020202020204" pitchFamily="34" charset="0"/>
+              </a:rPr>
+              <a:t>演算子</a:t>
+            </a:r>
+            <a:r>
+              <a:rPr lang="ja-JP" altLang="en-US">
+                <a:solidFill>
+                  <a:srgbClr val="212121"/>
+                </a:solidFill>
+                <a:latin typeface="arial" panose="020B0604020202020204" pitchFamily="34" charset="0"/>
+              </a:rPr>
+              <a:t>の</a:t>
+            </a:r>
+            <a:r>
+              <a:rPr lang="zh-CN" altLang="en-US" dirty="0">
                 <a:solidFill>
                   <a:srgbClr val="212121"/>
                 </a:solidFill>
@@ -21107,79 +21269,61 @@
               <a:t>優先順位</a:t>
             </a:r>
             <a:r>
-              <a:rPr lang="ja-JP" altLang="en-US" sz="2800">
+              <a:rPr lang="ja-JP" altLang="en-US">
                 <a:solidFill>
                   <a:srgbClr val="212121"/>
                 </a:solidFill>
                 <a:latin typeface="arial" panose="020B0604020202020204" pitchFamily="34" charset="0"/>
               </a:rPr>
-              <a:t>を</a:t>
-            </a:r>
-            <a:r>
-              <a:rPr lang="zh-CN" altLang="en-US" sz="2800" dirty="0">
+              <a:t>を、</a:t>
+            </a:r>
+            <a:r>
+              <a:rPr lang="zh-CN" altLang="en-US" dirty="0">
                 <a:solidFill>
                   <a:srgbClr val="212121"/>
                 </a:solidFill>
                 <a:latin typeface="arial" panose="020B0604020202020204" pitchFamily="34" charset="0"/>
               </a:rPr>
-              <a:t>制御</a:t>
-            </a:r>
-            <a:r>
-              <a:rPr lang="ja-JP" altLang="en-US" sz="2800">
+              <a:t>高</a:t>
+            </a:r>
+            <a:r>
+              <a:rPr lang="ja-JP" altLang="en-US">
                 <a:solidFill>
                   <a:srgbClr val="212121"/>
                 </a:solidFill>
                 <a:latin typeface="arial" panose="020B0604020202020204" pitchFamily="34" charset="0"/>
               </a:rPr>
-              <a:t>します。</a:t>
-            </a:r>
-            <a:r>
-              <a:rPr lang="zh-CN" altLang="en-US" sz="2800" dirty="0">
+              <a:t>いものから</a:t>
+            </a:r>
+            <a:r>
+              <a:rPr lang="zh-CN" altLang="en-US" dirty="0">
                 <a:solidFill>
                   <a:srgbClr val="212121"/>
                 </a:solidFill>
                 <a:latin typeface="arial" panose="020B0604020202020204" pitchFamily="34" charset="0"/>
               </a:rPr>
-              <a:t>例</a:t>
-            </a:r>
-            <a:r>
-              <a:rPr lang="ja-JP" altLang="en-US" sz="2800">
+              <a:t>低</a:t>
+            </a:r>
+            <a:r>
+              <a:rPr lang="ja-JP" altLang="en-US">
                 <a:solidFill>
                   <a:srgbClr val="212121"/>
                 </a:solidFill>
                 <a:latin typeface="arial" panose="020B0604020202020204" pitchFamily="34" charset="0"/>
               </a:rPr>
-              <a:t>えば、</a:t>
-            </a:r>
-            <a:r>
-              <a:rPr lang="zh-CN" altLang="en-US" sz="2800" dirty="0">
+              <a:t>い</a:t>
+            </a:r>
+            <a:r>
+              <a:rPr lang="zh-CN" altLang="en-US" dirty="0">
                 <a:solidFill>
                   <a:srgbClr val="212121"/>
                 </a:solidFill>
                 <a:latin typeface="arial" panose="020B0604020202020204" pitchFamily="34" charset="0"/>
               </a:rPr>
-              <a:t>加算</a:t>
-            </a:r>
-            <a:r>
-              <a:rPr lang="ja-JP" altLang="en-US" sz="2800">
-                <a:solidFill>
-                  <a:srgbClr val="212121"/>
-                </a:solidFill>
-                <a:latin typeface="arial" panose="020B0604020202020204" pitchFamily="34" charset="0"/>
-              </a:rPr>
-              <a:t>が</a:t>
-            </a:r>
-            <a:r>
-              <a:rPr lang="zh-CN" altLang="en-US" sz="2800" dirty="0">
-                <a:solidFill>
-                  <a:srgbClr val="212121"/>
-                </a:solidFill>
-                <a:latin typeface="arial" panose="020B0604020202020204" pitchFamily="34" charset="0"/>
-              </a:rPr>
-              <a:t>最初</a:t>
-            </a:r>
-            <a:r>
-              <a:rPr lang="ja-JP" altLang="en-US" sz="2800">
+              <a:t>順</a:t>
+            </a:r>
+            <a:r>
+              <a:rPr lang="ja-JP" altLang="en-US">
                 <a:solidFill>
                   <a:srgbClr val="212121"/>
                 </a:solidFill>
@@ -21188,175 +21332,31 @@
               <a:t>に</a:t>
             </a:r>
             <a:r>
-              <a:rPr lang="zh-CN" altLang="en-US" sz="2800" dirty="0">
+              <a:rPr lang="zh-CN" altLang="en-US" dirty="0">
                 <a:solidFill>
                   <a:srgbClr val="212121"/>
                 </a:solidFill>
                 <a:latin typeface="arial" panose="020B0604020202020204" pitchFamily="34" charset="0"/>
               </a:rPr>
-              <a:t>評価</a:t>
-            </a:r>
-            <a:r>
-              <a:rPr lang="ja-JP" altLang="en-US" sz="2800">
+              <a:t>並</a:t>
+            </a:r>
+            <a:r>
+              <a:rPr lang="ja-JP" altLang="en-US">
                 <a:solidFill>
                   <a:srgbClr val="212121"/>
                 </a:solidFill>
                 <a:latin typeface="arial" panose="020B0604020202020204" pitchFamily="34" charset="0"/>
               </a:rPr>
-              <a:t>されるよう、</a:t>
-            </a:r>
-            <a:r>
-              <a:rPr lang="zh-CN" altLang="en-US" sz="2800" dirty="0">
-                <a:solidFill>
-                  <a:srgbClr val="212121"/>
-                </a:solidFill>
-                <a:latin typeface="arial" panose="020B0604020202020204" pitchFamily="34" charset="0"/>
-              </a:rPr>
-              <a:t>最初</a:t>
-            </a:r>
-            <a:r>
-              <a:rPr lang="ja-JP" altLang="en-US" sz="2800">
-                <a:solidFill>
-                  <a:srgbClr val="212121"/>
-                </a:solidFill>
-                <a:latin typeface="arial" panose="020B0604020202020204" pitchFamily="34" charset="0"/>
-              </a:rPr>
-              <a:t>に</a:t>
-            </a:r>
-            <a:r>
-              <a:rPr lang="zh-CN" altLang="en-US" sz="2800" dirty="0">
-                <a:solidFill>
-                  <a:srgbClr val="212121"/>
-                </a:solidFill>
-                <a:latin typeface="arial" panose="020B0604020202020204" pitchFamily="34" charset="0"/>
-              </a:rPr>
-              <a:t>行</a:t>
-            </a:r>
-            <a:r>
-              <a:rPr lang="ja-JP" altLang="en-US" sz="2800">
-                <a:solidFill>
-                  <a:srgbClr val="212121"/>
-                </a:solidFill>
-                <a:latin typeface="arial" panose="020B0604020202020204" pitchFamily="34" charset="0"/>
-              </a:rPr>
-              <a:t>われる</a:t>
-            </a:r>
-            <a:r>
-              <a:rPr lang="zh-CN" altLang="en-US" sz="2800" dirty="0">
-                <a:solidFill>
-                  <a:srgbClr val="212121"/>
-                </a:solidFill>
-                <a:latin typeface="arial" panose="020B0604020202020204" pitchFamily="34" charset="0"/>
-              </a:rPr>
-              <a:t>演算</a:t>
-            </a:r>
-            <a:r>
-              <a:rPr lang="ja-JP" altLang="en-US" sz="2800">
-                <a:solidFill>
-                  <a:srgbClr val="212121"/>
-                </a:solidFill>
-                <a:latin typeface="arial" panose="020B0604020202020204" pitchFamily="34" charset="0"/>
-              </a:rPr>
-              <a:t>を</a:t>
-            </a:r>
-            <a:r>
-              <a:rPr lang="zh-CN" altLang="en-US" sz="2800" dirty="0">
-                <a:solidFill>
-                  <a:srgbClr val="212121"/>
-                </a:solidFill>
-                <a:latin typeface="arial" panose="020B0604020202020204" pitchFamily="34" charset="0"/>
-              </a:rPr>
-              <a:t>乗算</a:t>
-            </a:r>
-            <a:r>
-              <a:rPr lang="ja-JP" altLang="en-US" sz="2800">
-                <a:solidFill>
-                  <a:srgbClr val="212121"/>
-                </a:solidFill>
-                <a:latin typeface="arial" panose="020B0604020202020204" pitchFamily="34" charset="0"/>
-              </a:rPr>
-              <a:t>と</a:t>
-            </a:r>
-            <a:r>
-              <a:rPr lang="zh-CN" altLang="en-US" sz="2800" dirty="0">
-                <a:solidFill>
-                  <a:srgbClr val="212121"/>
-                </a:solidFill>
-                <a:latin typeface="arial" panose="020B0604020202020204" pitchFamily="34" charset="0"/>
-              </a:rPr>
-              <a:t>除算</a:t>
-            </a:r>
-            <a:r>
-              <a:rPr lang="ja-JP" altLang="en-US" sz="2800">
-                <a:solidFill>
-                  <a:srgbClr val="212121"/>
-                </a:solidFill>
-                <a:latin typeface="arial" panose="020B0604020202020204" pitchFamily="34" charset="0"/>
-              </a:rPr>
-              <a:t>から</a:t>
-            </a:r>
-            <a:r>
-              <a:rPr lang="zh-CN" altLang="en-US" sz="2800" dirty="0">
-                <a:solidFill>
-                  <a:srgbClr val="212121"/>
-                </a:solidFill>
-                <a:latin typeface="arial" panose="020B0604020202020204" pitchFamily="34" charset="0"/>
-              </a:rPr>
-              <a:t>加算</a:t>
-            </a:r>
-            <a:r>
-              <a:rPr lang="ja-JP" altLang="en-US" sz="2800">
-                <a:solidFill>
-                  <a:srgbClr val="212121"/>
-                </a:solidFill>
-                <a:latin typeface="arial" panose="020B0604020202020204" pitchFamily="34" charset="0"/>
-              </a:rPr>
-              <a:t>と</a:t>
-            </a:r>
-            <a:r>
-              <a:rPr lang="zh-CN" altLang="en-US" sz="2800" dirty="0">
-                <a:solidFill>
-                  <a:srgbClr val="212121"/>
-                </a:solidFill>
-                <a:latin typeface="arial" panose="020B0604020202020204" pitchFamily="34" charset="0"/>
-              </a:rPr>
-              <a:t>減算</a:t>
-            </a:r>
-            <a:r>
-              <a:rPr lang="ja-JP" altLang="en-US" sz="2800">
-                <a:solidFill>
-                  <a:srgbClr val="212121"/>
-                </a:solidFill>
-                <a:latin typeface="arial" panose="020B0604020202020204" pitchFamily="34" charset="0"/>
-              </a:rPr>
-              <a:t>へと</a:t>
-            </a:r>
-            <a:r>
-              <a:rPr lang="zh-CN" altLang="en-US" sz="2800" dirty="0">
-                <a:solidFill>
-                  <a:srgbClr val="212121"/>
-                </a:solidFill>
-                <a:latin typeface="arial" panose="020B0604020202020204" pitchFamily="34" charset="0"/>
-              </a:rPr>
-              <a:t>上書</a:t>
-            </a:r>
-            <a:r>
-              <a:rPr lang="ja-JP" altLang="en-US" sz="2800">
-                <a:solidFill>
-                  <a:srgbClr val="212121"/>
-                </a:solidFill>
-                <a:latin typeface="arial" panose="020B0604020202020204" pitchFamily="34" charset="0"/>
-              </a:rPr>
-              <a:t>きすることができます。</a:t>
-            </a:r>
-            <a:endParaRPr lang="zh-CN" altLang="en-US" sz="2800" dirty="0"/>
+              <a:t>べています。</a:t>
+            </a:r>
+            <a:endParaRPr lang="zh-CN" altLang="en-US" dirty="0"/>
           </a:p>
         </p:txBody>
       </p:sp>
     </p:spTree>
     <p:extLst>
       <p:ext uri="{BB962C8B-B14F-4D97-AF65-F5344CB8AC3E}">
-        <p14:creationId xmlns:p14="http://schemas.microsoft.com/office/powerpoint/2010/main" val="3771411457"/>
+        <p14:creationId xmlns:p14="http://schemas.microsoft.com/office/powerpoint/2010/main" val="1864329133"/>
       </p:ext>
     </p:extLst>
   </p:cSld>
